--- a/bilbil评论数据分析.pptx
+++ b/bilbil评论数据分析.pptx
@@ -5,10 +5,10 @@
     <p:sldMasterId id="2147483648" r:id="rId4"/>
   </p:sldMasterIdLst>
   <p:notesMasterIdLst>
-    <p:notesMasterId r:id="rId18"/>
+    <p:notesMasterId r:id="rId20"/>
   </p:notesMasterIdLst>
   <p:handoutMasterIdLst>
-    <p:handoutMasterId r:id="rId19"/>
+    <p:handoutMasterId r:id="rId21"/>
   </p:handoutMasterIdLst>
   <p:sldIdLst>
     <p:sldId id="305" r:id="rId5"/>
@@ -22,8 +22,10 @@
     <p:sldId id="323" r:id="rId13"/>
     <p:sldId id="317" r:id="rId14"/>
     <p:sldId id="324" r:id="rId15"/>
-    <p:sldId id="310" r:id="rId16"/>
-    <p:sldId id="316" r:id="rId17"/>
+    <p:sldId id="329" r:id="rId16"/>
+    <p:sldId id="327" r:id="rId17"/>
+    <p:sldId id="316" r:id="rId18"/>
+    <p:sldId id="328" r:id="rId19"/>
   </p:sldIdLst>
   <p:sldSz cx="12192000" cy="6858000"/>
   <p:notesSz cx="6858000" cy="9144000"/>
@@ -241,7 +243,7 @@
             <a:pPr rtl="0"/>
             <a:fld id="{79A58FD6-9F9D-472F-BAC5-DC79AF0F874E}" type="datetime1">
               <a:rPr lang="zh-CN" altLang="en-US" smtClean="0"/>
-              <a:t>2025/1/2</a:t>
+              <a:t>2025/1/3</a:t>
             </a:fld>
             <a:endParaRPr lang="zh-CN" dirty="0"/>
           </a:p>
@@ -423,7 +425,7 @@
             <a:pPr rtl="0"/>
             <a:fld id="{8D0F44F8-7870-48E0-8D1F-45263C5C7300}" type="datetime1">
               <a:rPr lang="zh-CN" altLang="en-US" smtClean="0"/>
-              <a:t>2025/1/2</a:t>
+              <a:t>2025/1/3</a:t>
             </a:fld>
             <a:endParaRPr lang="zh-CN" dirty="0"/>
           </a:p>
@@ -792,6 +794,115 @@
   <p:cSld>
     <p:spTree>
       <p:nvGrpSpPr>
+        <p:cNvPr id="1" name="">
+          <a:extLst>
+            <a:ext uri="{FF2B5EF4-FFF2-40B4-BE49-F238E27FC236}">
+              <a16:creationId xmlns:a16="http://schemas.microsoft.com/office/drawing/2014/main" id="{37531989-6C36-1B9C-492B-A7110F37F802}"/>
+            </a:ext>
+          </a:extLst>
+        </p:cNvPr>
+        <p:cNvGrpSpPr/>
+        <p:nvPr/>
+      </p:nvGrpSpPr>
+      <p:grpSpPr>
+        <a:xfrm>
+          <a:off x="0" y="0"/>
+          <a:ext cx="0" cy="0"/>
+          <a:chOff x="0" y="0"/>
+          <a:chExt cx="0" cy="0"/>
+        </a:xfrm>
+      </p:grpSpPr>
+      <p:sp>
+        <p:nvSpPr>
+          <p:cNvPr id="2" name="幻灯片图像占位符 1">
+            <a:extLst>
+              <a:ext uri="{FF2B5EF4-FFF2-40B4-BE49-F238E27FC236}">
+                <a16:creationId xmlns:a16="http://schemas.microsoft.com/office/drawing/2014/main" id="{6C433FDC-948E-0175-552C-F04B0F5241B6}"/>
+              </a:ext>
+            </a:extLst>
+          </p:cNvPr>
+          <p:cNvSpPr>
+            <a:spLocks noGrp="1" noRot="1" noChangeAspect="1"/>
+          </p:cNvSpPr>
+          <p:nvPr>
+            <p:ph type="sldImg"/>
+          </p:nvPr>
+        </p:nvSpPr>
+        <p:spPr/>
+      </p:sp>
+      <p:sp>
+        <p:nvSpPr>
+          <p:cNvPr id="3" name="备注占位符 2">
+            <a:extLst>
+              <a:ext uri="{FF2B5EF4-FFF2-40B4-BE49-F238E27FC236}">
+                <a16:creationId xmlns:a16="http://schemas.microsoft.com/office/drawing/2014/main" id="{00012452-C80C-EAA0-6F00-B233D6FA865A}"/>
+              </a:ext>
+            </a:extLst>
+          </p:cNvPr>
+          <p:cNvSpPr>
+            <a:spLocks noGrp="1"/>
+          </p:cNvSpPr>
+          <p:nvPr>
+            <p:ph type="body" idx="1"/>
+          </p:nvPr>
+        </p:nvSpPr>
+        <p:spPr/>
+        <p:txBody>
+          <a:bodyPr/>
+          <a:lstStyle/>
+          <a:p>
+            <a:endParaRPr lang="zh-CN" altLang="en-US"/>
+          </a:p>
+        </p:txBody>
+      </p:sp>
+      <p:sp>
+        <p:nvSpPr>
+          <p:cNvPr id="4" name="灯片编号占位符 3">
+            <a:extLst>
+              <a:ext uri="{FF2B5EF4-FFF2-40B4-BE49-F238E27FC236}">
+                <a16:creationId xmlns:a16="http://schemas.microsoft.com/office/drawing/2014/main" id="{8D95BCFD-55E1-75D7-F451-EE9163F1D5D1}"/>
+              </a:ext>
+            </a:extLst>
+          </p:cNvPr>
+          <p:cNvSpPr>
+            <a:spLocks noGrp="1"/>
+          </p:cNvSpPr>
+          <p:nvPr>
+            <p:ph type="sldNum" sz="quarter" idx="5"/>
+          </p:nvPr>
+        </p:nvSpPr>
+        <p:spPr/>
+        <p:txBody>
+          <a:bodyPr/>
+          <a:lstStyle/>
+          <a:p>
+            <a:pPr rtl="0"/>
+            <a:fld id="{0775476F-A808-1F46-A368-07984F6DA22E}" type="slidenum">
+              <a:rPr lang="en-US" altLang="zh-CN" smtClean="0"/>
+              <a:t>13</a:t>
+            </a:fld>
+            <a:endParaRPr lang="zh-CN" dirty="0"/>
+          </a:p>
+        </p:txBody>
+      </p:sp>
+    </p:spTree>
+    <p:extLst>
+      <p:ext uri="{BB962C8B-B14F-4D97-AF65-F5344CB8AC3E}">
+        <p14:creationId xmlns:p14="http://schemas.microsoft.com/office/powerpoint/2010/main" val="3997916453"/>
+      </p:ext>
+    </p:extLst>
+  </p:cSld>
+  <p:clrMapOvr>
+    <a:masterClrMapping/>
+  </p:clrMapOvr>
+</p:notes>
+</file>
+
+<file path=ppt/notesSlides/notesSlide11.xml><?xml version="1.0" encoding="utf-8"?>
+<p:notes xmlns:a="http://schemas.openxmlformats.org/drawingml/2006/main" xmlns:r="http://schemas.openxmlformats.org/officeDocument/2006/relationships" xmlns:p="http://schemas.openxmlformats.org/presentationml/2006/main">
+  <p:cSld>
+    <p:spTree>
+      <p:nvGrpSpPr>
         <p:cNvPr id="1" name=""/>
         <p:cNvGrpSpPr/>
         <p:nvPr/>
@@ -862,7 +973,7 @@
             <a:pPr rtl="0"/>
             <a:fld id="{0775476F-A808-1F46-A368-07984F6DA22E}" type="slidenum">
               <a:rPr lang="en-US" altLang="zh-CN" smtClean="0"/>
-              <a:t>13</a:t>
+              <a:t>14</a:t>
             </a:fld>
             <a:endParaRPr lang="zh-CN" dirty="0"/>
           </a:p>
@@ -872,6 +983,124 @@
     <p:extLst>
       <p:ext uri="{BB962C8B-B14F-4D97-AF65-F5344CB8AC3E}">
         <p14:creationId xmlns:p14="http://schemas.microsoft.com/office/powerpoint/2010/main" val="2140470260"/>
+      </p:ext>
+    </p:extLst>
+  </p:cSld>
+  <p:clrMapOvr>
+    <a:masterClrMapping/>
+  </p:clrMapOvr>
+</p:notes>
+</file>
+
+<file path=ppt/notesSlides/notesSlide12.xml><?xml version="1.0" encoding="utf-8"?>
+<p:notes xmlns:a="http://schemas.openxmlformats.org/drawingml/2006/main" xmlns:r="http://schemas.openxmlformats.org/officeDocument/2006/relationships" xmlns:p="http://schemas.openxmlformats.org/presentationml/2006/main">
+  <p:cSld>
+    <p:spTree>
+      <p:nvGrpSpPr>
+        <p:cNvPr id="1" name="">
+          <a:extLst>
+            <a:ext uri="{FF2B5EF4-FFF2-40B4-BE49-F238E27FC236}">
+              <a16:creationId xmlns:a16="http://schemas.microsoft.com/office/drawing/2014/main" id="{FC431036-C863-A5B9-3242-36653667C172}"/>
+            </a:ext>
+          </a:extLst>
+        </p:cNvPr>
+        <p:cNvGrpSpPr/>
+        <p:nvPr/>
+      </p:nvGrpSpPr>
+      <p:grpSpPr>
+        <a:xfrm>
+          <a:off x="0" y="0"/>
+          <a:ext cx="0" cy="0"/>
+          <a:chOff x="0" y="0"/>
+          <a:chExt cx="0" cy="0"/>
+        </a:xfrm>
+      </p:grpSpPr>
+      <p:sp>
+        <p:nvSpPr>
+          <p:cNvPr id="2" name="幻灯片图像占位符 1">
+            <a:extLst>
+              <a:ext uri="{FF2B5EF4-FFF2-40B4-BE49-F238E27FC236}">
+                <a16:creationId xmlns:a16="http://schemas.microsoft.com/office/drawing/2014/main" id="{C9A34F4E-D9AA-3B38-6808-6DDB932FF433}"/>
+              </a:ext>
+            </a:extLst>
+          </p:cNvPr>
+          <p:cNvSpPr>
+            <a:spLocks noGrp="1" noRot="1" noChangeAspect="1"/>
+          </p:cNvSpPr>
+          <p:nvPr>
+            <p:ph type="sldImg"/>
+          </p:nvPr>
+        </p:nvSpPr>
+        <p:spPr/>
+      </p:sp>
+      <p:sp>
+        <p:nvSpPr>
+          <p:cNvPr id="3" name="备注占位符 2">
+            <a:extLst>
+              <a:ext uri="{FF2B5EF4-FFF2-40B4-BE49-F238E27FC236}">
+                <a16:creationId xmlns:a16="http://schemas.microsoft.com/office/drawing/2014/main" id="{6F875970-D62B-B37A-E68A-20003B800627}"/>
+              </a:ext>
+            </a:extLst>
+          </p:cNvPr>
+          <p:cNvSpPr>
+            <a:spLocks noGrp="1"/>
+          </p:cNvSpPr>
+          <p:nvPr>
+            <p:ph type="body" idx="1"/>
+          </p:nvPr>
+        </p:nvSpPr>
+        <p:spPr/>
+        <p:txBody>
+          <a:bodyPr rtlCol="0"/>
+          <a:lstStyle>
+            <a:defPPr>
+              <a:defRPr lang="zh-CN"/>
+            </a:defPPr>
+          </a:lstStyle>
+          <a:p>
+            <a:pPr rtl="0"/>
+            <a:endParaRPr lang="zh-CN" dirty="0"/>
+          </a:p>
+        </p:txBody>
+      </p:sp>
+      <p:sp>
+        <p:nvSpPr>
+          <p:cNvPr id="4" name="灯片编号占位符 3">
+            <a:extLst>
+              <a:ext uri="{FF2B5EF4-FFF2-40B4-BE49-F238E27FC236}">
+                <a16:creationId xmlns:a16="http://schemas.microsoft.com/office/drawing/2014/main" id="{7D9A9EBE-67FD-196B-2B6F-ABEC455963B2}"/>
+              </a:ext>
+            </a:extLst>
+          </p:cNvPr>
+          <p:cNvSpPr>
+            <a:spLocks noGrp="1"/>
+          </p:cNvSpPr>
+          <p:nvPr>
+            <p:ph type="sldNum" sz="quarter" idx="5"/>
+          </p:nvPr>
+        </p:nvSpPr>
+        <p:spPr/>
+        <p:txBody>
+          <a:bodyPr rtlCol="0"/>
+          <a:lstStyle>
+            <a:defPPr>
+              <a:defRPr lang="zh-CN"/>
+            </a:defPPr>
+          </a:lstStyle>
+          <a:p>
+            <a:pPr rtl="0"/>
+            <a:fld id="{0775476F-A808-1F46-A368-07984F6DA22E}" type="slidenum">
+              <a:rPr lang="en-US" altLang="zh-CN" smtClean="0"/>
+              <a:t>15</a:t>
+            </a:fld>
+            <a:endParaRPr lang="zh-CN" dirty="0"/>
+          </a:p>
+        </p:txBody>
+      </p:sp>
+    </p:spTree>
+    <p:extLst>
+      <p:ext uri="{BB962C8B-B14F-4D97-AF65-F5344CB8AC3E}">
+        <p14:creationId xmlns:p14="http://schemas.microsoft.com/office/powerpoint/2010/main" val="751415480"/>
       </p:ext>
     </p:extLst>
   </p:cSld>
@@ -1610,7 +1839,13 @@
   <p:cSld>
     <p:spTree>
       <p:nvGrpSpPr>
-        <p:cNvPr id="1" name=""/>
+        <p:cNvPr id="1" name="">
+          <a:extLst>
+            <a:ext uri="{FF2B5EF4-FFF2-40B4-BE49-F238E27FC236}">
+              <a16:creationId xmlns:a16="http://schemas.microsoft.com/office/drawing/2014/main" id="{1EC018CB-E377-18F8-B96D-02B0BBEDF3AC}"/>
+            </a:ext>
+          </a:extLst>
+        </p:cNvPr>
         <p:cNvGrpSpPr/>
         <p:nvPr/>
       </p:nvGrpSpPr>
@@ -1624,7 +1859,13 @@
       </p:grpSpPr>
       <p:sp>
         <p:nvSpPr>
-          <p:cNvPr id="2" name="幻灯片图像占位符 1"/>
+          <p:cNvPr id="2" name="幻灯片图像占位符 1">
+            <a:extLst>
+              <a:ext uri="{FF2B5EF4-FFF2-40B4-BE49-F238E27FC236}">
+                <a16:creationId xmlns:a16="http://schemas.microsoft.com/office/drawing/2014/main" id="{7ED26F82-462A-B71C-A18B-B8814D1C75BE}"/>
+              </a:ext>
+            </a:extLst>
+          </p:cNvPr>
           <p:cNvSpPr>
             <a:spLocks noGrp="1" noRot="1" noChangeAspect="1"/>
           </p:cNvSpPr>
@@ -1636,7 +1877,13 @@
       </p:sp>
       <p:sp>
         <p:nvSpPr>
-          <p:cNvPr id="3" name="备注占位符 2"/>
+          <p:cNvPr id="3" name="备注占位符 2">
+            <a:extLst>
+              <a:ext uri="{FF2B5EF4-FFF2-40B4-BE49-F238E27FC236}">
+                <a16:creationId xmlns:a16="http://schemas.microsoft.com/office/drawing/2014/main" id="{7C82CB88-3E83-D86D-28FF-75BDDA144CA7}"/>
+              </a:ext>
+            </a:extLst>
+          </p:cNvPr>
           <p:cNvSpPr>
             <a:spLocks noGrp="1"/>
           </p:cNvSpPr>
@@ -1655,7 +1902,13 @@
       </p:sp>
       <p:sp>
         <p:nvSpPr>
-          <p:cNvPr id="4" name="灯片编号占位符 3"/>
+          <p:cNvPr id="4" name="灯片编号占位符 3">
+            <a:extLst>
+              <a:ext uri="{FF2B5EF4-FFF2-40B4-BE49-F238E27FC236}">
+                <a16:creationId xmlns:a16="http://schemas.microsoft.com/office/drawing/2014/main" id="{6E2D8EF3-E98F-5482-AEF8-2697D12BC150}"/>
+              </a:ext>
+            </a:extLst>
+          </p:cNvPr>
           <p:cNvSpPr>
             <a:spLocks noGrp="1"/>
           </p:cNvSpPr>
@@ -1680,7 +1933,7 @@
     </p:spTree>
     <p:extLst>
       <p:ext uri="{BB962C8B-B14F-4D97-AF65-F5344CB8AC3E}">
-        <p14:creationId xmlns:p14="http://schemas.microsoft.com/office/powerpoint/2010/main" val="2627759243"/>
+        <p14:creationId xmlns:p14="http://schemas.microsoft.com/office/powerpoint/2010/main" val="2376635248"/>
       </p:ext>
     </p:extLst>
   </p:cSld>
@@ -11625,7 +11878,7 @@
         </p:spPr>
         <p:txBody>
           <a:bodyPr rtlCol="0">
-            <a:normAutofit fontScale="92500"/>
+            <a:normAutofit/>
           </a:bodyPr>
           <a:lstStyle>
             <a:defPPr>
@@ -11636,7 +11889,7 @@
             <a:pPr rtl="0"/>
             <a:r>
               <a:rPr lang="zh-CN" altLang="en-US" dirty="0"/>
-              <a:t>何增辉、番能桐、蔡珣</a:t>
+              <a:t>何增辉、唐龙</a:t>
             </a:r>
             <a:endParaRPr lang="zh-CN" dirty="0"/>
           </a:p>
@@ -11869,7 +12122,7 @@
         </p:blipFill>
         <p:spPr>
           <a:xfrm>
-            <a:off x="3417241" y="2319211"/>
+            <a:off x="3386557" y="2319211"/>
             <a:ext cx="5041647" cy="4157790"/>
           </a:xfrm>
           <a:prstGeom prst="rect">
@@ -12102,7 +12355,13 @@
   <p:cSld>
     <p:spTree>
       <p:nvGrpSpPr>
-        <p:cNvPr id="1" name=""/>
+        <p:cNvPr id="1" name="">
+          <a:extLst>
+            <a:ext uri="{FF2B5EF4-FFF2-40B4-BE49-F238E27FC236}">
+              <a16:creationId xmlns:a16="http://schemas.microsoft.com/office/drawing/2014/main" id="{AD619696-71CD-901D-8312-4CC069040678}"/>
+            </a:ext>
+          </a:extLst>
+        </p:cNvPr>
         <p:cNvGrpSpPr/>
         <p:nvPr/>
       </p:nvGrpSpPr>
@@ -12116,26 +12375,21 @@
       </p:grpSpPr>
       <p:sp>
         <p:nvSpPr>
-          <p:cNvPr id="2" name="标题 1">
-            <a:extLst>
-              <a:ext uri="{FF2B5EF4-FFF2-40B4-BE49-F238E27FC236}">
-                <a16:creationId xmlns:a16="http://schemas.microsoft.com/office/drawing/2014/main" id="{69554157-869F-9BBE-CFCF-717129CA6907}"/>
-              </a:ext>
-            </a:extLst>
-          </p:cNvPr>
-          <p:cNvSpPr>
-            <a:spLocks noGrp="1"/>
-          </p:cNvSpPr>
-          <p:nvPr>
-            <p:ph type="title"/>
-          </p:nvPr>
-        </p:nvSpPr>
-        <p:spPr>
-          <a:xfrm>
-            <a:off x="1748028" y="1389888"/>
-            <a:ext cx="8695944" cy="1325880"/>
-          </a:xfrm>
-        </p:spPr>
+          <p:cNvPr id="4" name="页脚占位符 3">
+            <a:extLst>
+              <a:ext uri="{FF2B5EF4-FFF2-40B4-BE49-F238E27FC236}">
+                <a16:creationId xmlns:a16="http://schemas.microsoft.com/office/drawing/2014/main" id="{62351F93-7E10-E404-9E2F-BAA804033FE0}"/>
+              </a:ext>
+            </a:extLst>
+          </p:cNvPr>
+          <p:cNvSpPr>
+            <a:spLocks noGrp="1"/>
+          </p:cNvSpPr>
+          <p:nvPr>
+            <p:ph type="ftr" sz="quarter" idx="10"/>
+          </p:nvPr>
+        </p:nvSpPr>
+        <p:spPr/>
         <p:txBody>
           <a:bodyPr rtlCol="0"/>
           <a:lstStyle>
@@ -12146,40 +12400,6 @@
           <a:p>
             <a:pPr rtl="0"/>
             <a:r>
-              <a:rPr lang="zh-CN" altLang="en-US" dirty="0"/>
-              <a:t>总结和收获</a:t>
-            </a:r>
-            <a:endParaRPr lang="zh-CN" dirty="0"/>
-          </a:p>
-        </p:txBody>
-      </p:sp>
-      <p:sp>
-        <p:nvSpPr>
-          <p:cNvPr id="4" name="页脚占位符 3">
-            <a:extLst>
-              <a:ext uri="{FF2B5EF4-FFF2-40B4-BE49-F238E27FC236}">
-                <a16:creationId xmlns:a16="http://schemas.microsoft.com/office/drawing/2014/main" id="{8EF088D1-E89A-FD55-EB44-49411774536D}"/>
-              </a:ext>
-            </a:extLst>
-          </p:cNvPr>
-          <p:cNvSpPr>
-            <a:spLocks noGrp="1"/>
-          </p:cNvSpPr>
-          <p:nvPr>
-            <p:ph type="ftr" sz="quarter" idx="10"/>
-          </p:nvPr>
-        </p:nvSpPr>
-        <p:spPr/>
-        <p:txBody>
-          <a:bodyPr rtlCol="0"/>
-          <a:lstStyle>
-            <a:defPPr>
-              <a:defRPr lang="zh-CN"/>
-            </a:defPPr>
-          </a:lstStyle>
-          <a:p>
-            <a:pPr rtl="0"/>
-            <a:r>
               <a:rPr lang="zh-CN"/>
               <a:t>演示文稿标题</a:t>
             </a:r>
@@ -12192,7 +12412,7 @@
           <p:cNvPr id="5" name="灯片编号占位符 4">
             <a:extLst>
               <a:ext uri="{FF2B5EF4-FFF2-40B4-BE49-F238E27FC236}">
-                <a16:creationId xmlns:a16="http://schemas.microsoft.com/office/drawing/2014/main" id="{94026A48-6EF8-D4D0-2C6E-1F96935EA501}"/>
+                <a16:creationId xmlns:a16="http://schemas.microsoft.com/office/drawing/2014/main" id="{B94E420C-E1A0-63DD-91EC-54D9F985998B}"/>
               </a:ext>
             </a:extLst>
           </p:cNvPr>
@@ -12224,68 +12444,110 @@
       </p:sp>
       <p:sp>
         <p:nvSpPr>
-          <p:cNvPr id="6" name="文本框 5">
-            <a:extLst>
-              <a:ext uri="{FF2B5EF4-FFF2-40B4-BE49-F238E27FC236}">
-                <a16:creationId xmlns:a16="http://schemas.microsoft.com/office/drawing/2014/main" id="{BCA10403-7758-F805-2C34-31A1E575EEF1}"/>
-              </a:ext>
-            </a:extLst>
-          </p:cNvPr>
-          <p:cNvSpPr txBox="1"/>
+          <p:cNvPr id="7" name="内容占位符 6">
+            <a:extLst>
+              <a:ext uri="{FF2B5EF4-FFF2-40B4-BE49-F238E27FC236}">
+                <a16:creationId xmlns:a16="http://schemas.microsoft.com/office/drawing/2014/main" id="{6BDC3852-43D7-F759-944A-A623207B308C}"/>
+              </a:ext>
+            </a:extLst>
+          </p:cNvPr>
+          <p:cNvSpPr>
+            <a:spLocks noGrp="1"/>
+          </p:cNvSpPr>
+          <p:nvPr>
+            <p:ph idx="1"/>
+          </p:nvPr>
+        </p:nvSpPr>
+        <p:spPr>
+          <a:xfrm>
+            <a:off x="838200" y="411173"/>
+            <a:ext cx="10515600" cy="5785284"/>
+          </a:xfrm>
+        </p:spPr>
+        <p:txBody>
+          <a:bodyPr/>
+          <a:lstStyle/>
+          <a:p>
+            <a:r>
+              <a:rPr lang="en-US" altLang="zh-CN" dirty="0"/>
+              <a:t>3.3</a:t>
+            </a:r>
+            <a:r>
+              <a:rPr lang="zh-CN" altLang="en-US" dirty="0"/>
+              <a:t>用户经验与获赞数</a:t>
+            </a:r>
+            <a:r>
+              <a:rPr lang="en-US" altLang="zh-CN" dirty="0">
+                <a:sym typeface="Wingdings" panose="05000000000000000000" pitchFamily="2" charset="2"/>
+              </a:rPr>
+              <a:t>(</a:t>
+            </a:r>
+            <a:r>
+              <a:rPr lang="zh-CN" altLang="en-US" dirty="0">
+                <a:sym typeface="Wingdings" panose="05000000000000000000" pitchFamily="2" charset="2"/>
+              </a:rPr>
+              <a:t>条形图</a:t>
+            </a:r>
+            <a:r>
+              <a:rPr lang="en-US" altLang="zh-CN" dirty="0">
+                <a:sym typeface="Wingdings" panose="05000000000000000000" pitchFamily="2" charset="2"/>
+              </a:rPr>
+              <a:t>)</a:t>
+            </a:r>
+            <a:r>
+              <a:rPr lang="zh-CN" altLang="en-US" dirty="0">
+                <a:sym typeface="Wingdings" panose="05000000000000000000" pitchFamily="2" charset="2"/>
+              </a:rPr>
+              <a:t>：</a:t>
+            </a:r>
+            <a:endParaRPr lang="en-US" altLang="zh-CN" dirty="0">
+              <a:sym typeface="Wingdings" panose="05000000000000000000" pitchFamily="2" charset="2"/>
+            </a:endParaRPr>
+          </a:p>
+          <a:p>
+            <a:endParaRPr lang="en-US" altLang="zh-CN" dirty="0">
+              <a:sym typeface="Wingdings" panose="05000000000000000000" pitchFamily="2" charset="2"/>
+            </a:endParaRPr>
+          </a:p>
+          <a:p>
+            <a:endParaRPr lang="zh-CN" altLang="en-US" dirty="0"/>
+          </a:p>
+        </p:txBody>
+      </p:sp>
+      <p:pic>
+        <p:nvPicPr>
+          <p:cNvPr id="3" name="图片 2">
+            <a:extLst>
+              <a:ext uri="{FF2B5EF4-FFF2-40B4-BE49-F238E27FC236}">
+                <a16:creationId xmlns:a16="http://schemas.microsoft.com/office/drawing/2014/main" id="{37B85604-ED02-63E0-8E39-1999E9EA456A}"/>
+              </a:ext>
+            </a:extLst>
+          </p:cNvPr>
+          <p:cNvPicPr>
+            <a:picLocks noChangeAspect="1"/>
+          </p:cNvPicPr>
           <p:nvPr/>
-        </p:nvSpPr>
-        <p:spPr>
-          <a:xfrm>
-            <a:off x="2485450" y="2715768"/>
-            <a:ext cx="7536129" cy="2585323"/>
+        </p:nvPicPr>
+        <p:blipFill>
+          <a:blip r:embed="rId3"/>
+          <a:stretch>
+            <a:fillRect/>
+          </a:stretch>
+        </p:blipFill>
+        <p:spPr>
+          <a:xfrm>
+            <a:off x="3251067" y="1188620"/>
+            <a:ext cx="5432114" cy="4566677"/>
           </a:xfrm>
           <a:prstGeom prst="rect">
             <a:avLst/>
           </a:prstGeom>
-          <a:noFill/>
-        </p:spPr>
-        <p:txBody>
-          <a:bodyPr wrap="square" rtlCol="0">
-            <a:spAutoFit/>
-          </a:bodyPr>
-          <a:lstStyle/>
-          <a:p>
-            <a:r>
-              <a:rPr lang="zh-CN" altLang="en-US" dirty="0"/>
-              <a:t>何增辉：</a:t>
-            </a:r>
-            <a:endParaRPr lang="en-US" altLang="zh-CN" dirty="0"/>
-          </a:p>
-          <a:p>
-            <a:endParaRPr lang="en-US" altLang="zh-CN" dirty="0"/>
-          </a:p>
-          <a:p>
-            <a:endParaRPr lang="en-US" altLang="zh-CN" dirty="0"/>
-          </a:p>
-          <a:p>
-            <a:endParaRPr lang="en-US" altLang="zh-CN" dirty="0"/>
-          </a:p>
-          <a:p>
-            <a:endParaRPr lang="en-US" altLang="zh-CN" dirty="0"/>
-          </a:p>
-          <a:p>
-            <a:endParaRPr lang="en-US" altLang="zh-CN" dirty="0"/>
-          </a:p>
-          <a:p>
-            <a:endParaRPr lang="en-US" altLang="zh-CN" dirty="0"/>
-          </a:p>
-          <a:p>
-            <a:endParaRPr lang="en-US" altLang="zh-CN" dirty="0"/>
-          </a:p>
-          <a:p>
-            <a:endParaRPr lang="en-US" altLang="zh-CN" dirty="0"/>
-          </a:p>
-        </p:txBody>
-      </p:sp>
+        </p:spPr>
+      </p:pic>
     </p:spTree>
     <p:extLst>
       <p:ext uri="{BB962C8B-B14F-4D97-AF65-F5344CB8AC3E}">
-        <p14:creationId xmlns:p14="http://schemas.microsoft.com/office/powerpoint/2010/main" val="520700503"/>
+        <p14:creationId xmlns:p14="http://schemas.microsoft.com/office/powerpoint/2010/main" val="929573646"/>
       </p:ext>
     </p:extLst>
   </p:cSld>
@@ -12296,6 +12558,234 @@
 </file>
 
 <file path=ppt/slides/slide13.xml><?xml version="1.0" encoding="utf-8"?>
+<p:sld xmlns:a="http://schemas.openxmlformats.org/drawingml/2006/main" xmlns:r="http://schemas.openxmlformats.org/officeDocument/2006/relationships" xmlns:p="http://schemas.openxmlformats.org/presentationml/2006/main">
+  <p:cSld>
+    <p:spTree>
+      <p:nvGrpSpPr>
+        <p:cNvPr id="1" name="">
+          <a:extLst>
+            <a:ext uri="{FF2B5EF4-FFF2-40B4-BE49-F238E27FC236}">
+              <a16:creationId xmlns:a16="http://schemas.microsoft.com/office/drawing/2014/main" id="{905ECFB5-08C6-A65A-E965-738A34FE03D2}"/>
+            </a:ext>
+          </a:extLst>
+        </p:cNvPr>
+        <p:cNvGrpSpPr/>
+        <p:nvPr/>
+      </p:nvGrpSpPr>
+      <p:grpSpPr>
+        <a:xfrm>
+          <a:off x="0" y="0"/>
+          <a:ext cx="0" cy="0"/>
+          <a:chOff x="0" y="0"/>
+          <a:chExt cx="0" cy="0"/>
+        </a:xfrm>
+      </p:grpSpPr>
+      <p:sp>
+        <p:nvSpPr>
+          <p:cNvPr id="2" name="标题 1">
+            <a:extLst>
+              <a:ext uri="{FF2B5EF4-FFF2-40B4-BE49-F238E27FC236}">
+                <a16:creationId xmlns:a16="http://schemas.microsoft.com/office/drawing/2014/main" id="{008C80AB-6631-10D7-FEBE-4EC566F23B61}"/>
+              </a:ext>
+            </a:extLst>
+          </p:cNvPr>
+          <p:cNvSpPr>
+            <a:spLocks noGrp="1"/>
+          </p:cNvSpPr>
+          <p:nvPr>
+            <p:ph type="title"/>
+          </p:nvPr>
+        </p:nvSpPr>
+        <p:spPr/>
+        <p:txBody>
+          <a:bodyPr rtlCol="0"/>
+          <a:lstStyle>
+            <a:defPPr>
+              <a:defRPr lang="zh-CN"/>
+            </a:defPPr>
+          </a:lstStyle>
+          <a:p>
+            <a:pPr rtl="0"/>
+            <a:r>
+              <a:rPr lang="zh-CN" altLang="en-US" dirty="0"/>
+              <a:t>上传</a:t>
+            </a:r>
+            <a:r>
+              <a:rPr lang="en-US" altLang="zh-CN" dirty="0" err="1"/>
+              <a:t>github</a:t>
+            </a:r>
+            <a:endParaRPr lang="zh-CN" dirty="0"/>
+          </a:p>
+        </p:txBody>
+      </p:sp>
+      <p:sp>
+        <p:nvSpPr>
+          <p:cNvPr id="4" name="页脚占位符 3">
+            <a:extLst>
+              <a:ext uri="{FF2B5EF4-FFF2-40B4-BE49-F238E27FC236}">
+                <a16:creationId xmlns:a16="http://schemas.microsoft.com/office/drawing/2014/main" id="{4C2BA4D8-D732-7B8B-C635-0A961A19AB8C}"/>
+              </a:ext>
+            </a:extLst>
+          </p:cNvPr>
+          <p:cNvSpPr>
+            <a:spLocks noGrp="1"/>
+          </p:cNvSpPr>
+          <p:nvPr>
+            <p:ph type="ftr" sz="quarter" idx="10"/>
+          </p:nvPr>
+        </p:nvSpPr>
+        <p:spPr/>
+        <p:txBody>
+          <a:bodyPr rtlCol="0"/>
+          <a:lstStyle>
+            <a:defPPr>
+              <a:defRPr lang="zh-CN"/>
+            </a:defPPr>
+          </a:lstStyle>
+          <a:p>
+            <a:pPr rtl="0"/>
+            <a:r>
+              <a:rPr lang="zh-CN"/>
+              <a:t>演示文稿标题</a:t>
+            </a:r>
+            <a:endParaRPr lang="zh-CN" dirty="0"/>
+          </a:p>
+        </p:txBody>
+      </p:sp>
+      <p:sp>
+        <p:nvSpPr>
+          <p:cNvPr id="5" name="灯片编号占位符 4">
+            <a:extLst>
+              <a:ext uri="{FF2B5EF4-FFF2-40B4-BE49-F238E27FC236}">
+                <a16:creationId xmlns:a16="http://schemas.microsoft.com/office/drawing/2014/main" id="{2309E6DD-15AE-3C2F-0A07-51B8B17DFE47}"/>
+              </a:ext>
+            </a:extLst>
+          </p:cNvPr>
+          <p:cNvSpPr>
+            <a:spLocks noGrp="1"/>
+          </p:cNvSpPr>
+          <p:nvPr>
+            <p:ph type="sldNum" sz="quarter" idx="11"/>
+          </p:nvPr>
+        </p:nvSpPr>
+        <p:spPr/>
+        <p:txBody>
+          <a:bodyPr rtlCol="0"/>
+          <a:lstStyle>
+            <a:defPPr>
+              <a:defRPr lang="zh-CN"/>
+            </a:defPPr>
+          </a:lstStyle>
+          <a:p>
+            <a:pPr rtl="0"/>
+            <a:fld id="{294A09A9-5501-47C1-A89A-A340965A2BE2}" type="slidenum">
+              <a:rPr lang="en-US" altLang="zh-CN" smtClean="0"/>
+              <a:pPr rtl="0"/>
+              <a:t>13</a:t>
+            </a:fld>
+            <a:endParaRPr lang="zh-CN" dirty="0"/>
+          </a:p>
+        </p:txBody>
+      </p:sp>
+      <p:sp>
+        <p:nvSpPr>
+          <p:cNvPr id="7" name="内容占位符 6">
+            <a:extLst>
+              <a:ext uri="{FF2B5EF4-FFF2-40B4-BE49-F238E27FC236}">
+                <a16:creationId xmlns:a16="http://schemas.microsoft.com/office/drawing/2014/main" id="{E9B6D973-5196-1A3E-AF14-018D063D2637}"/>
+              </a:ext>
+            </a:extLst>
+          </p:cNvPr>
+          <p:cNvSpPr>
+            <a:spLocks noGrp="1"/>
+          </p:cNvSpPr>
+          <p:nvPr>
+            <p:ph idx="1"/>
+          </p:nvPr>
+        </p:nvSpPr>
+        <p:spPr/>
+        <p:txBody>
+          <a:bodyPr/>
+          <a:lstStyle/>
+          <a:p>
+            <a:endParaRPr lang="en-US" altLang="zh-CN" dirty="0"/>
+          </a:p>
+          <a:p>
+            <a:endParaRPr lang="en-US" altLang="zh-CN" dirty="0"/>
+          </a:p>
+          <a:p>
+            <a:pPr marL="0" indent="0">
+              <a:buNone/>
+            </a:pPr>
+            <a:r>
+              <a:rPr lang="en-US" altLang="zh-CN" dirty="0"/>
+              <a:t>	</a:t>
+            </a:r>
+          </a:p>
+          <a:p>
+            <a:endParaRPr lang="en-US" altLang="zh-CN" dirty="0"/>
+          </a:p>
+          <a:p>
+            <a:endParaRPr lang="en-US" altLang="zh-CN" dirty="0"/>
+          </a:p>
+          <a:p>
+            <a:endParaRPr lang="en-US" altLang="zh-CN" dirty="0"/>
+          </a:p>
+          <a:p>
+            <a:endParaRPr lang="en-US" altLang="zh-CN" dirty="0"/>
+          </a:p>
+          <a:p>
+            <a:pPr marL="0" indent="0">
+              <a:buNone/>
+            </a:pPr>
+            <a:endParaRPr lang="zh-CN" altLang="en-US" dirty="0"/>
+          </a:p>
+        </p:txBody>
+      </p:sp>
+      <p:pic>
+        <p:nvPicPr>
+          <p:cNvPr id="8" name="图片 7">
+            <a:extLst>
+              <a:ext uri="{FF2B5EF4-FFF2-40B4-BE49-F238E27FC236}">
+                <a16:creationId xmlns:a16="http://schemas.microsoft.com/office/drawing/2014/main" id="{DB42B710-6EE1-8DA4-8A63-CF75B3B3B736}"/>
+              </a:ext>
+            </a:extLst>
+          </p:cNvPr>
+          <p:cNvPicPr>
+            <a:picLocks noChangeAspect="1"/>
+          </p:cNvPicPr>
+          <p:nvPr/>
+        </p:nvPicPr>
+        <p:blipFill>
+          <a:blip r:embed="rId3"/>
+          <a:stretch>
+            <a:fillRect/>
+          </a:stretch>
+        </p:blipFill>
+        <p:spPr>
+          <a:xfrm>
+            <a:off x="2632817" y="1437187"/>
+            <a:ext cx="7143285" cy="4461763"/>
+          </a:xfrm>
+          <a:prstGeom prst="rect">
+            <a:avLst/>
+          </a:prstGeom>
+        </p:spPr>
+      </p:pic>
+    </p:spTree>
+    <p:extLst>
+      <p:ext uri="{BB962C8B-B14F-4D97-AF65-F5344CB8AC3E}">
+        <p14:creationId xmlns:p14="http://schemas.microsoft.com/office/powerpoint/2010/main" val="605724315"/>
+      </p:ext>
+    </p:extLst>
+  </p:cSld>
+  <p:clrMapOvr>
+    <a:masterClrMapping/>
+  </p:clrMapOvr>
+</p:sld>
+</file>
+
+<file path=ppt/slides/slide14.xml><?xml version="1.0" encoding="utf-8"?>
 <p:sld xmlns:a="http://schemas.openxmlformats.org/drawingml/2006/main" xmlns:r="http://schemas.openxmlformats.org/officeDocument/2006/relationships" xmlns:p="http://schemas.openxmlformats.org/presentationml/2006/main">
   <p:cSld>
     <p:spTree>
@@ -12328,7 +12818,12 @@
             <p:ph type="title"/>
           </p:nvPr>
         </p:nvSpPr>
-        <p:spPr/>
+        <p:spPr>
+          <a:xfrm>
+            <a:off x="1436037" y="2575508"/>
+            <a:ext cx="3050046" cy="1781699"/>
+          </a:xfrm>
+        </p:spPr>
         <p:txBody>
           <a:bodyPr rtlCol="0">
             <a:normAutofit/>
@@ -12341,12 +12836,8 @@
           <a:p>
             <a:pPr rtl="0"/>
             <a:r>
-              <a:rPr lang="zh-CN" dirty="0"/>
-              <a:t>谢谢</a:t>
-            </a:r>
-            <a:r>
               <a:rPr lang="zh-CN" altLang="en-US" dirty="0"/>
-              <a:t>观看</a:t>
+              <a:t>总结和收获</a:t>
             </a:r>
             <a:endParaRPr lang="zh-CN" dirty="0"/>
           </a:p>
@@ -12354,40 +12845,115 @@
       </p:sp>
       <p:sp>
         <p:nvSpPr>
-          <p:cNvPr id="5" name="内容占位符 4">
-            <a:extLst>
-              <a:ext uri="{FF2B5EF4-FFF2-40B4-BE49-F238E27FC236}">
-                <a16:creationId xmlns:a16="http://schemas.microsoft.com/office/drawing/2014/main" id="{AAF5CF3F-E5EF-5769-3F83-24ADB4412BBF}"/>
-              </a:ext>
-            </a:extLst>
-          </p:cNvPr>
-          <p:cNvSpPr>
-            <a:spLocks noGrp="1"/>
-          </p:cNvSpPr>
-          <p:nvPr>
-            <p:ph idx="1"/>
-          </p:nvPr>
-        </p:nvSpPr>
-        <p:spPr>
-          <a:xfrm>
-            <a:off x="8211312" y="2011680"/>
-            <a:ext cx="3277054" cy="2843784"/>
-          </a:xfrm>
-        </p:spPr>
-        <p:txBody>
-          <a:bodyPr rtlCol="0"/>
-          <a:lstStyle>
-            <a:defPPr>
-              <a:defRPr lang="zh-CN"/>
-            </a:defPPr>
-          </a:lstStyle>
-          <a:p>
-            <a:pPr rtl="0"/>
+          <p:cNvPr id="3" name="文本框 2">
+            <a:extLst>
+              <a:ext uri="{FF2B5EF4-FFF2-40B4-BE49-F238E27FC236}">
+                <a16:creationId xmlns:a16="http://schemas.microsoft.com/office/drawing/2014/main" id="{97DD0AF5-127D-8464-67A3-2F3151333A0E}"/>
+              </a:ext>
+            </a:extLst>
+          </p:cNvPr>
+          <p:cNvSpPr txBox="1"/>
+          <p:nvPr/>
+        </p:nvSpPr>
+        <p:spPr>
+          <a:xfrm>
+            <a:off x="7210872" y="668922"/>
+            <a:ext cx="3166647" cy="5355312"/>
+          </a:xfrm>
+          <a:prstGeom prst="rect">
+            <a:avLst/>
+          </a:prstGeom>
+          <a:noFill/>
+        </p:spPr>
+        <p:txBody>
+          <a:bodyPr wrap="square" rtlCol="0">
+            <a:spAutoFit/>
+          </a:bodyPr>
+          <a:lstStyle/>
+          <a:p>
+            <a:r>
+              <a:rPr lang="zh-CN" altLang="en-US" dirty="0"/>
+              <a:t>何增辉：</a:t>
+            </a:r>
+            <a:endParaRPr lang="en-US" altLang="zh-CN" dirty="0"/>
+          </a:p>
+          <a:p>
             <a:r>
               <a:rPr lang="en-US" altLang="zh-CN" dirty="0"/>
-              <a:t>2024/12/</a:t>
-            </a:r>
-            <a:endParaRPr lang="zh-CN" dirty="0"/>
+              <a:t>	</a:t>
+            </a:r>
+            <a:r>
+              <a:rPr lang="zh-CN" altLang="en-US" dirty="0"/>
+              <a:t>通过此次项目系统的回顾了之前学的知识，对的数据的爬取和分析有了更多的了解。</a:t>
+            </a:r>
+            <a:endParaRPr lang="en-US" altLang="zh-CN" dirty="0"/>
+          </a:p>
+          <a:p>
+            <a:endParaRPr lang="en-US" altLang="zh-CN" dirty="0"/>
+          </a:p>
+          <a:p>
+            <a:r>
+              <a:rPr lang="zh-CN" altLang="en-US" dirty="0"/>
+              <a:t>唐龙：对数据</a:t>
+            </a:r>
+            <a:r>
+              <a:rPr lang="en-US" altLang="zh-CN" dirty="0"/>
+              <a:t>·</a:t>
+            </a:r>
+            <a:r>
+              <a:rPr lang="zh-CN" altLang="en-US" dirty="0"/>
+              <a:t>爬取有了更深的了解，更熟悉了对</a:t>
+            </a:r>
+            <a:r>
+              <a:rPr lang="en-US" altLang="zh-CN" dirty="0" err="1"/>
+              <a:t>msql</a:t>
+            </a:r>
+            <a:r>
+              <a:rPr lang="zh-CN" altLang="en-US" dirty="0"/>
+              <a:t>和</a:t>
+            </a:r>
+            <a:r>
+              <a:rPr lang="en-US" altLang="zh-CN" dirty="0"/>
+              <a:t>neo4j</a:t>
+            </a:r>
+            <a:r>
+              <a:rPr lang="zh-CN" altLang="en-US"/>
+              <a:t>的使用。</a:t>
+            </a:r>
+            <a:endParaRPr lang="en-US" altLang="zh-CN" dirty="0"/>
+          </a:p>
+          <a:p>
+            <a:r>
+              <a:rPr lang="en-US" altLang="zh-CN" dirty="0"/>
+              <a:t>	</a:t>
+            </a:r>
+          </a:p>
+          <a:p>
+            <a:endParaRPr lang="en-US" altLang="zh-CN" dirty="0"/>
+          </a:p>
+          <a:p>
+            <a:endParaRPr lang="en-US" altLang="zh-CN" dirty="0"/>
+          </a:p>
+          <a:p>
+            <a:endParaRPr lang="en-US" altLang="zh-CN" dirty="0"/>
+          </a:p>
+          <a:p>
+            <a:endParaRPr lang="en-US" altLang="zh-CN" dirty="0"/>
+          </a:p>
+          <a:p>
+            <a:endParaRPr lang="en-US" altLang="zh-CN" dirty="0"/>
+          </a:p>
+          <a:p>
+            <a:endParaRPr lang="en-US" altLang="zh-CN" dirty="0"/>
+          </a:p>
+          <a:p>
+            <a:endParaRPr lang="en-US" altLang="zh-CN" dirty="0"/>
+          </a:p>
+          <a:p>
+            <a:endParaRPr lang="en-US" altLang="zh-CN" dirty="0"/>
+          </a:p>
+          <a:p>
+            <a:endParaRPr lang="zh-CN" altLang="en-US" dirty="0"/>
           </a:p>
         </p:txBody>
       </p:sp>
@@ -12395,6 +12961,121 @@
     <p:extLst>
       <p:ext uri="{BB962C8B-B14F-4D97-AF65-F5344CB8AC3E}">
         <p14:creationId xmlns:p14="http://schemas.microsoft.com/office/powerpoint/2010/main" val="2790251853"/>
+      </p:ext>
+    </p:extLst>
+  </p:cSld>
+  <p:clrMapOvr>
+    <a:masterClrMapping/>
+  </p:clrMapOvr>
+</p:sld>
+</file>
+
+<file path=ppt/slides/slide15.xml><?xml version="1.0" encoding="utf-8"?>
+<p:sld xmlns:a="http://schemas.openxmlformats.org/drawingml/2006/main" xmlns:r="http://schemas.openxmlformats.org/officeDocument/2006/relationships" xmlns:p="http://schemas.openxmlformats.org/presentationml/2006/main">
+  <p:cSld>
+    <p:spTree>
+      <p:nvGrpSpPr>
+        <p:cNvPr id="1" name="">
+          <a:extLst>
+            <a:ext uri="{FF2B5EF4-FFF2-40B4-BE49-F238E27FC236}">
+              <a16:creationId xmlns:a16="http://schemas.microsoft.com/office/drawing/2014/main" id="{2B420825-79B4-E06B-6C11-70F42FD98BC3}"/>
+            </a:ext>
+          </a:extLst>
+        </p:cNvPr>
+        <p:cNvGrpSpPr/>
+        <p:nvPr/>
+      </p:nvGrpSpPr>
+      <p:grpSpPr>
+        <a:xfrm>
+          <a:off x="0" y="0"/>
+          <a:ext cx="0" cy="0"/>
+          <a:chOff x="0" y="0"/>
+          <a:chExt cx="0" cy="0"/>
+        </a:xfrm>
+      </p:grpSpPr>
+      <p:sp>
+        <p:nvSpPr>
+          <p:cNvPr id="2" name="标题 1">
+            <a:extLst>
+              <a:ext uri="{FF2B5EF4-FFF2-40B4-BE49-F238E27FC236}">
+                <a16:creationId xmlns:a16="http://schemas.microsoft.com/office/drawing/2014/main" id="{ECB63396-B51D-F043-2557-A5F6BE6FDD27}"/>
+              </a:ext>
+            </a:extLst>
+          </p:cNvPr>
+          <p:cNvSpPr>
+            <a:spLocks noGrp="1"/>
+          </p:cNvSpPr>
+          <p:nvPr>
+            <p:ph type="title"/>
+          </p:nvPr>
+        </p:nvSpPr>
+        <p:spPr/>
+        <p:txBody>
+          <a:bodyPr rtlCol="0">
+            <a:normAutofit/>
+          </a:bodyPr>
+          <a:lstStyle>
+            <a:defPPr>
+              <a:defRPr lang="zh-CN"/>
+            </a:defPPr>
+          </a:lstStyle>
+          <a:p>
+            <a:pPr rtl="0"/>
+            <a:r>
+              <a:rPr lang="zh-CN" dirty="0"/>
+              <a:t>谢谢</a:t>
+            </a:r>
+            <a:r>
+              <a:rPr lang="zh-CN" altLang="en-US" dirty="0"/>
+              <a:t>观看</a:t>
+            </a:r>
+            <a:endParaRPr lang="zh-CN" dirty="0"/>
+          </a:p>
+        </p:txBody>
+      </p:sp>
+      <p:sp>
+        <p:nvSpPr>
+          <p:cNvPr id="5" name="内容占位符 4">
+            <a:extLst>
+              <a:ext uri="{FF2B5EF4-FFF2-40B4-BE49-F238E27FC236}">
+                <a16:creationId xmlns:a16="http://schemas.microsoft.com/office/drawing/2014/main" id="{B79101D6-8A0B-50E3-3E81-8AF47BB8A3AA}"/>
+              </a:ext>
+            </a:extLst>
+          </p:cNvPr>
+          <p:cNvSpPr>
+            <a:spLocks noGrp="1"/>
+          </p:cNvSpPr>
+          <p:nvPr>
+            <p:ph idx="1"/>
+          </p:nvPr>
+        </p:nvSpPr>
+        <p:spPr>
+          <a:xfrm>
+            <a:off x="8211312" y="2011680"/>
+            <a:ext cx="3277054" cy="2843784"/>
+          </a:xfrm>
+        </p:spPr>
+        <p:txBody>
+          <a:bodyPr rtlCol="0"/>
+          <a:lstStyle>
+            <a:defPPr>
+              <a:defRPr lang="zh-CN"/>
+            </a:defPPr>
+          </a:lstStyle>
+          <a:p>
+            <a:pPr rtl="0"/>
+            <a:r>
+              <a:rPr lang="en-US" altLang="zh-CN"/>
+              <a:t>2024/1/3</a:t>
+            </a:r>
+            <a:endParaRPr lang="zh-CN" dirty="0"/>
+          </a:p>
+        </p:txBody>
+      </p:sp>
+    </p:spTree>
+    <p:extLst>
+      <p:ext uri="{BB962C8B-B14F-4D97-AF65-F5344CB8AC3E}">
+        <p14:creationId xmlns:p14="http://schemas.microsoft.com/office/powerpoint/2010/main" val="3102007430"/>
       </p:ext>
     </p:extLst>
   </p:cSld>
@@ -12713,7 +13394,7 @@
                 <a:cs typeface="Calibri"/>
                 <a:hlinkClick r:id="rId8" action="ppaction://hlinksldjump"/>
               </a:rPr>
-              <a:t>总结和收货</a:t>
+              <a:t>总结和收获</a:t>
             </a:r>
             <a:endParaRPr lang="en-US" altLang="zh-CN" dirty="0">
               <a:latin typeface="Microsoft YaHei UI Light" panose="020B0302020104020203" pitchFamily="34" charset="0"/>
@@ -15342,26 +16023,6 @@
 </file>
 
 <file path=customXml/item1.xml><?xml version="1.0" encoding="utf-8"?>
-<p:properties xmlns:p="http://schemas.microsoft.com/office/2006/metadata/properties" xmlns:xsi="http://www.w3.org/2001/XMLSchema-instance" xmlns:pc="http://schemas.microsoft.com/office/infopath/2007/PartnerControls">
-  <documentManagement>
-    <_ip_UnifiedCompliancePolicyUIAction xmlns="http://schemas.microsoft.com/sharepoint/v3" xsi:nil="true"/>
-    <Image xmlns="71af3243-3dd4-4a8d-8c0d-dd76da1f02a5">
-      <Url xsi:nil="true"/>
-      <Description xsi:nil="true"/>
-    </Image>
-    <Status xmlns="71af3243-3dd4-4a8d-8c0d-dd76da1f02a5">Not started</Status>
-    <Background xmlns="71af3243-3dd4-4a8d-8c0d-dd76da1f02a5">false</Background>
-    <_ip_UnifiedCompliancePolicyProperties xmlns="http://schemas.microsoft.com/sharepoint/v3" xsi:nil="true"/>
-    <ImageTagsTaxHTField xmlns="71af3243-3dd4-4a8d-8c0d-dd76da1f02a5">
-      <Terms xmlns="http://schemas.microsoft.com/office/infopath/2007/PartnerControls"/>
-    </ImageTagsTaxHTField>
-    <TaxCatchAll xmlns="230e9df3-be65-4c73-a93b-d1236ebd677e" xsi:nil="true"/>
-    <MediaServiceKeyPoints xmlns="71af3243-3dd4-4a8d-8c0d-dd76da1f02a5" xsi:nil="true"/>
-  </documentManagement>
-</p:properties>
-</file>
-
-<file path=customXml/item2.xml><?xml version="1.0" encoding="utf-8"?>
 <?mso-contentType ?>
 <FormTemplates xmlns="http://schemas.microsoft.com/sharepoint/v3/contenttype/forms">
   <Display>DocumentLibraryForm</Display>
@@ -15370,7 +16031,7 @@
 </FormTemplates>
 </file>
 
-<file path=customXml/item3.xml><?xml version="1.0" encoding="utf-8"?>
+<file path=customXml/item2.xml><?xml version="1.0" encoding="utf-8"?>
 <ct:contentTypeSchema xmlns:ct="http://schemas.microsoft.com/office/2006/metadata/contentType" xmlns:ma="http://schemas.microsoft.com/office/2006/metadata/properties/metaAttributes" ct:_="" ma:_="" ma:contentTypeName="Document" ma:contentTypeID="0x01010079F111ED35F8CC479449609E8A0923A6" ma:contentTypeVersion="24" ma:contentTypeDescription="Create a new document." ma:contentTypeScope="" ma:versionID="2d714a3296df14eba7a100bb665443ca">
   <xsd:schema xmlns:xsd="http://www.w3.org/2001/XMLSchema" xmlns:xs="http://www.w3.org/2001/XMLSchema" xmlns:p="http://schemas.microsoft.com/office/2006/metadata/properties" xmlns:ns1="http://schemas.microsoft.com/sharepoint/v3" xmlns:ns2="71af3243-3dd4-4a8d-8c0d-dd76da1f02a5" xmlns:ns3="16c05727-aa75-4e4a-9b5f-8a80a1165891" xmlns:ns4="230e9df3-be65-4c73-a93b-d1236ebd677e" targetNamespace="http://schemas.microsoft.com/office/2006/metadata/properties" ma:root="true" ma:fieldsID="49549bf45bfbbfb6cffed527380e77e1" ns1:_="" ns2:_="" ns3:_="" ns4:_="">
     <xsd:import namespace="http://schemas.microsoft.com/sharepoint/v3"/>
@@ -15658,19 +16319,27 @@
 </ct:contentTypeSchema>
 </file>
 
-<file path=customXml/itemProps1.xml><?xml version="1.0" encoding="utf-8"?>
-<ds:datastoreItem xmlns:ds="http://schemas.openxmlformats.org/officeDocument/2006/customXml" ds:itemID="{8FBB2F3B-6257-41BB-8B64-5AC7494F274B}">
-  <ds:schemaRefs>
-    <ds:schemaRef ds:uri="http://schemas.microsoft.com/office/2006/metadata/properties"/>
-    <ds:schemaRef ds:uri="http://schemas.microsoft.com/office/infopath/2007/PartnerControls"/>
-    <ds:schemaRef ds:uri="http://schemas.microsoft.com/sharepoint/v3"/>
-    <ds:schemaRef ds:uri="71af3243-3dd4-4a8d-8c0d-dd76da1f02a5"/>
-    <ds:schemaRef ds:uri="230e9df3-be65-4c73-a93b-d1236ebd677e"/>
-  </ds:schemaRefs>
-</ds:datastoreItem>
+<file path=customXml/item3.xml><?xml version="1.0" encoding="utf-8"?>
+<p:properties xmlns:p="http://schemas.microsoft.com/office/2006/metadata/properties" xmlns:xsi="http://www.w3.org/2001/XMLSchema-instance" xmlns:pc="http://schemas.microsoft.com/office/infopath/2007/PartnerControls">
+  <documentManagement>
+    <_ip_UnifiedCompliancePolicyUIAction xmlns="http://schemas.microsoft.com/sharepoint/v3" xsi:nil="true"/>
+    <Image xmlns="71af3243-3dd4-4a8d-8c0d-dd76da1f02a5">
+      <Url xsi:nil="true"/>
+      <Description xsi:nil="true"/>
+    </Image>
+    <Status xmlns="71af3243-3dd4-4a8d-8c0d-dd76da1f02a5">Not started</Status>
+    <Background xmlns="71af3243-3dd4-4a8d-8c0d-dd76da1f02a5">false</Background>
+    <_ip_UnifiedCompliancePolicyProperties xmlns="http://schemas.microsoft.com/sharepoint/v3" xsi:nil="true"/>
+    <ImageTagsTaxHTField xmlns="71af3243-3dd4-4a8d-8c0d-dd76da1f02a5">
+      <Terms xmlns="http://schemas.microsoft.com/office/infopath/2007/PartnerControls"/>
+    </ImageTagsTaxHTField>
+    <TaxCatchAll xmlns="230e9df3-be65-4c73-a93b-d1236ebd677e" xsi:nil="true"/>
+    <MediaServiceKeyPoints xmlns="71af3243-3dd4-4a8d-8c0d-dd76da1f02a5" xsi:nil="true"/>
+  </documentManagement>
+</p:properties>
 </file>
 
-<file path=customXml/itemProps2.xml><?xml version="1.0" encoding="utf-8"?>
+<file path=customXml/itemProps1.xml><?xml version="1.0" encoding="utf-8"?>
 <ds:datastoreItem xmlns:ds="http://schemas.openxmlformats.org/officeDocument/2006/customXml" ds:itemID="{9ACE2AAA-C718-435C-B4E6-95A08ACAC441}">
   <ds:schemaRefs>
     <ds:schemaRef ds:uri="http://schemas.microsoft.com/sharepoint/v3/contenttype/forms"/>
@@ -15678,7 +16347,7 @@
 </ds:datastoreItem>
 </file>
 
-<file path=customXml/itemProps3.xml><?xml version="1.0" encoding="utf-8"?>
+<file path=customXml/itemProps2.xml><?xml version="1.0" encoding="utf-8"?>
 <ds:datastoreItem xmlns:ds="http://schemas.openxmlformats.org/officeDocument/2006/customXml" ds:itemID="{614EFF02-EA18-493C-972D-813DB244CB64}">
   <ds:schemaRefs>
     <ds:schemaRef ds:uri="http://schemas.microsoft.com/office/2006/metadata/contentType"/>
@@ -15699,6 +16368,18 @@
 </ds:datastoreItem>
 </file>
 
+<file path=customXml/itemProps3.xml><?xml version="1.0" encoding="utf-8"?>
+<ds:datastoreItem xmlns:ds="http://schemas.openxmlformats.org/officeDocument/2006/customXml" ds:itemID="{8FBB2F3B-6257-41BB-8B64-5AC7494F274B}">
+  <ds:schemaRefs>
+    <ds:schemaRef ds:uri="http://schemas.microsoft.com/office/2006/metadata/properties"/>
+    <ds:schemaRef ds:uri="http://schemas.microsoft.com/office/infopath/2007/PartnerControls"/>
+    <ds:schemaRef ds:uri="http://schemas.microsoft.com/sharepoint/v3"/>
+    <ds:schemaRef ds:uri="71af3243-3dd4-4a8d-8c0d-dd76da1f02a5"/>
+    <ds:schemaRef ds:uri="230e9df3-be65-4c73-a93b-d1236ebd677e"/>
+  </ds:schemaRefs>
+</ds:datastoreItem>
+</file>
+
 <file path=docMetadata/LabelInfo.xml><?xml version="1.0" encoding="utf-8"?>
 <clbl:labelList xmlns:clbl="http://schemas.microsoft.com/office/2020/mipLabelMetadata"/>
 </file>